--- a/doc/solution from ZTE AIOps.pptx
+++ b/doc/solution from ZTE AIOps.pptx
@@ -11,14 +11,17 @@
     <p:notesMasterId r:id="rId11"/>
   </p:notesMasterIdLst>
   <p:handoutMasterIdLst>
-    <p:handoutMasterId r:id="rId12"/>
+    <p:handoutMasterId r:id="rId15"/>
   </p:handoutMasterIdLst>
   <p:sldIdLst>
     <p:sldId id="262" r:id="rId6"/>
-    <p:sldId id="286" r:id="rId7"/>
-    <p:sldId id="288" r:id="rId8"/>
-    <p:sldId id="287" r:id="rId9"/>
-    <p:sldId id="261" r:id="rId10"/>
+    <p:sldId id="291" r:id="rId7"/>
+    <p:sldId id="292" r:id="rId8"/>
+    <p:sldId id="286" r:id="rId9"/>
+    <p:sldId id="293" r:id="rId10"/>
+    <p:sldId id="288" r:id="rId12"/>
+    <p:sldId id="287" r:id="rId13"/>
+    <p:sldId id="261" r:id="rId14"/>
   </p:sldIdLst>
   <p:sldSz cx="9144000" cy="6858000" type="screen4x3"/>
   <p:notesSz cx="6858000" cy="9144000"/>
@@ -678,6 +681,50 @@
     </a:lvl9pPr>
   </p:notesStyle>
 </p:notesMaster>
+</file>
+
+<file path=ppt/notesSlides/notesSlide1.xml><?xml version="1.0" encoding="utf-8"?>
+<p:notes xmlns:a="http://schemas.openxmlformats.org/drawingml/2006/main" xmlns:r="http://schemas.openxmlformats.org/officeDocument/2006/relationships" xmlns:p="http://schemas.openxmlformats.org/presentationml/2006/main">
+  <p:cSld>
+    <p:spTree>
+      <p:nvGrpSpPr>
+        <p:cNvPr id="1" name=""/>
+        <p:cNvGrpSpPr/>
+        <p:nvPr/>
+      </p:nvGrpSpPr>
+      <p:grpSpPr/>
+      <p:sp>
+        <p:nvSpPr>
+          <p:cNvPr id="2" name="幻灯片图像占位符 1"/>
+          <p:cNvSpPr/>
+          <p:nvPr>
+            <p:ph type="sldImg" idx="2"/>
+          </p:nvPr>
+        </p:nvSpPr>
+        <p:spPr/>
+      </p:sp>
+      <p:sp>
+        <p:nvSpPr>
+          <p:cNvPr id="3" name="文本占位符 2"/>
+          <p:cNvSpPr/>
+          <p:nvPr>
+            <p:ph type="body" idx="3"/>
+          </p:nvPr>
+        </p:nvSpPr>
+        <p:spPr/>
+        <p:txBody>
+          <a:bodyPr/>
+          <a:p>
+            <a:endParaRPr lang="zh-CN" altLang="en-US"/>
+          </a:p>
+        </p:txBody>
+      </p:sp>
+    </p:spTree>
+  </p:cSld>
+  <p:clrMapOvr>
+    <a:masterClrMapping/>
+  </p:clrMapOvr>
+</p:notes>
 </file>
 
 <file path=ppt/slideLayouts/slideLayout1.xml><?xml version="1.0" encoding="utf-8"?>
@@ -6274,17 +6321,317 @@
         <p:spPr>
           <a:xfrm>
             <a:off x="333375" y="455930"/>
-            <a:ext cx="8517255" cy="584835"/>
+            <a:ext cx="8517255" cy="471170"/>
           </a:xfrm>
         </p:spPr>
         <p:txBody>
           <a:bodyPr/>
           <a:p>
             <a:r>
+              <a:rPr lang="en-US" altLang="zh-CN"/>
+              <a:t>Motivation:  What-if simulation for Autonomous Network </a:t>
+            </a:r>
+            <a:endParaRPr lang="en-US" altLang="zh-CN"/>
+          </a:p>
+        </p:txBody>
+      </p:sp>
+      <p:pic>
+        <p:nvPicPr>
+          <p:cNvPr id="7" name="内容占位符 6"/>
+          <p:cNvPicPr>
+            <a:picLocks noChangeAspect="1"/>
+          </p:cNvPicPr>
+          <p:nvPr>
+            <p:ph sz="quarter" idx="10"/>
+          </p:nvPr>
+        </p:nvPicPr>
+        <p:blipFill>
+          <a:blip r:embed="rId1"/>
+          <a:stretch>
+            <a:fillRect/>
+          </a:stretch>
+        </p:blipFill>
+        <p:spPr>
+          <a:xfrm>
+            <a:off x="2108835" y="3115310"/>
+            <a:ext cx="4872355" cy="2019935"/>
+          </a:xfrm>
+          <a:prstGeom prst="rect">
+            <a:avLst/>
+          </a:prstGeom>
+        </p:spPr>
+      </p:pic>
+      <p:sp>
+        <p:nvSpPr>
+          <p:cNvPr id="8" name="文本框 7"/>
+          <p:cNvSpPr txBox="1"/>
+          <p:nvPr/>
+        </p:nvSpPr>
+        <p:spPr>
+          <a:xfrm>
+            <a:off x="2158365" y="5339715"/>
+            <a:ext cx="4618355" cy="460375"/>
+          </a:xfrm>
+          <a:prstGeom prst="rect">
+            <a:avLst/>
+          </a:prstGeom>
+          <a:noFill/>
+        </p:spPr>
+        <p:txBody>
+          <a:bodyPr wrap="none" rtlCol="0">
+            <a:spAutoFit/>
+          </a:bodyPr>
+          <a:p>
+            <a:pPr algn="ctr"/>
+            <a:r>
+              <a:rPr lang="zh-CN" altLang="en-US" sz="1200"/>
+              <a:t>K. Rusek, J. Suárez-Varela, A. Mestres, P. Barlet-Ros, A. Cabellos-Aparicio</a:t>
+            </a:r>
+            <a:endParaRPr lang="zh-CN" altLang="en-US" sz="1200"/>
+          </a:p>
+          <a:p>
+            <a:pPr algn="ctr"/>
+            <a:r>
+              <a:rPr lang="zh-CN" altLang="en-US" sz="1200"/>
+              <a:t>SOSR ’19, April 3–4, 2019, San Jose, CA, USA</a:t>
+            </a:r>
+            <a:endParaRPr lang="zh-CN" altLang="en-US" sz="1200"/>
+          </a:p>
+        </p:txBody>
+      </p:sp>
+      <p:sp>
+        <p:nvSpPr>
+          <p:cNvPr id="21" name="内容占位符 5"/>
+          <p:cNvSpPr>
+            <a:spLocks noGrp="1"/>
+          </p:cNvSpPr>
+          <p:nvPr/>
+        </p:nvSpPr>
+        <p:spPr>
+          <a:xfrm>
+            <a:off x="333375" y="1464945"/>
+            <a:ext cx="8517255" cy="4733925"/>
+          </a:xfrm>
+          <a:prstGeom prst="rect">
+            <a:avLst/>
+          </a:prstGeom>
+          <a:noFill/>
+          <a:ln w="9525">
+            <a:noFill/>
+            <a:miter lim="800000"/>
+          </a:ln>
+        </p:spPr>
+        <p:txBody>
+          <a:bodyPr vert="horz" wrap="square" lIns="0" tIns="0" rIns="0" bIns="0" numCol="1" anchor="t" anchorCtr="0" compatLnSpc="1"/>
+          <a:lstStyle>
+            <a:lvl1pPr marL="342900" indent="-342900" algn="l" defTabSz="457200" rtl="0" eaLnBrk="0" fontAlgn="base" hangingPunct="0">
+              <a:spcBef>
+                <a:spcPct val="20000"/>
+              </a:spcBef>
+              <a:spcAft>
+                <a:spcPct val="0"/>
+              </a:spcAft>
+              <a:buFont typeface="Arial" panose="020B0604020202020204" pitchFamily="34" charset="0"/>
+              <a:buChar char="•"/>
+              <a:defRPr sz="2000">
+                <a:solidFill>
+                  <a:schemeClr val="tx1"/>
+                </a:solidFill>
+                <a:latin typeface="+mn-lt"/>
+                <a:ea typeface="+mn-ea"/>
+                <a:cs typeface="+mn-cs"/>
+              </a:defRPr>
+            </a:lvl1pPr>
+            <a:lvl2pPr marL="742950" indent="-285750" algn="l" defTabSz="457200" rtl="0" eaLnBrk="0" fontAlgn="base" hangingPunct="0">
+              <a:spcBef>
+                <a:spcPct val="20000"/>
+              </a:spcBef>
+              <a:spcAft>
+                <a:spcPct val="0"/>
+              </a:spcAft>
+              <a:buFont typeface="Arial" panose="020B0604020202020204" pitchFamily="34" charset="0"/>
+              <a:buChar char="–"/>
+              <a:defRPr sz="2000">
+                <a:solidFill>
+                  <a:schemeClr val="tx1"/>
+                </a:solidFill>
+                <a:latin typeface="+mn-lt"/>
+                <a:ea typeface="+mn-ea"/>
+              </a:defRPr>
+            </a:lvl2pPr>
+            <a:lvl3pPr marL="1143000" indent="-228600" algn="l" defTabSz="457200" rtl="0" eaLnBrk="0" fontAlgn="base" hangingPunct="0">
+              <a:spcBef>
+                <a:spcPct val="20000"/>
+              </a:spcBef>
+              <a:spcAft>
+                <a:spcPct val="0"/>
+              </a:spcAft>
+              <a:buFont typeface="Arial" panose="020B0604020202020204" pitchFamily="34" charset="0"/>
+              <a:buChar char="•"/>
+              <a:defRPr sz="1600">
+                <a:solidFill>
+                  <a:schemeClr val="tx1"/>
+                </a:solidFill>
+                <a:latin typeface="+mn-lt"/>
+                <a:ea typeface="+mn-ea"/>
+              </a:defRPr>
+            </a:lvl3pPr>
+            <a:lvl4pPr marL="1600200" indent="-228600" algn="l" defTabSz="457200" rtl="0" eaLnBrk="0" fontAlgn="base" hangingPunct="0">
+              <a:spcBef>
+                <a:spcPct val="20000"/>
+              </a:spcBef>
+              <a:spcAft>
+                <a:spcPct val="0"/>
+              </a:spcAft>
+              <a:buFont typeface="Arial" panose="020B0604020202020204" pitchFamily="34" charset="0"/>
+              <a:buChar char="–"/>
+              <a:defRPr sz="1400">
+                <a:solidFill>
+                  <a:schemeClr val="tx1"/>
+                </a:solidFill>
+                <a:latin typeface="+mn-lt"/>
+                <a:ea typeface="+mn-ea"/>
+              </a:defRPr>
+            </a:lvl4pPr>
+            <a:lvl5pPr marL="2057400" indent="-228600" algn="l" defTabSz="457200" rtl="0" eaLnBrk="0" fontAlgn="base" hangingPunct="0">
+              <a:spcBef>
+                <a:spcPct val="20000"/>
+              </a:spcBef>
+              <a:spcAft>
+                <a:spcPct val="0"/>
+              </a:spcAft>
+              <a:buFont typeface="Arial" panose="020B0604020202020204" pitchFamily="34" charset="0"/>
+              <a:buChar char="»"/>
+              <a:defRPr sz="1200">
+                <a:solidFill>
+                  <a:schemeClr val="tx1"/>
+                </a:solidFill>
+                <a:latin typeface="+mn-lt"/>
+                <a:ea typeface="+mn-ea"/>
+              </a:defRPr>
+            </a:lvl5pPr>
+            <a:lvl6pPr marL="2514600" indent="-228600" algn="l" defTabSz="457200" rtl="0" fontAlgn="base">
+              <a:spcBef>
+                <a:spcPct val="20000"/>
+              </a:spcBef>
+              <a:spcAft>
+                <a:spcPct val="0"/>
+              </a:spcAft>
+              <a:buFont typeface="Arial" panose="020B0604020202020204" pitchFamily="34" charset="0"/>
+              <a:buChar char="»"/>
+              <a:defRPr sz="1200">
+                <a:solidFill>
+                  <a:schemeClr val="tx1"/>
+                </a:solidFill>
+                <a:latin typeface="+mn-lt"/>
+                <a:ea typeface="+mn-ea"/>
+              </a:defRPr>
+            </a:lvl6pPr>
+            <a:lvl7pPr marL="2971800" indent="-228600" algn="l" defTabSz="457200" rtl="0" fontAlgn="base">
+              <a:spcBef>
+                <a:spcPct val="20000"/>
+              </a:spcBef>
+              <a:spcAft>
+                <a:spcPct val="0"/>
+              </a:spcAft>
+              <a:buFont typeface="Arial" panose="020B0604020202020204" pitchFamily="34" charset="0"/>
+              <a:buChar char="»"/>
+              <a:defRPr sz="1200">
+                <a:solidFill>
+                  <a:schemeClr val="tx1"/>
+                </a:solidFill>
+                <a:latin typeface="+mn-lt"/>
+                <a:ea typeface="+mn-ea"/>
+              </a:defRPr>
+            </a:lvl7pPr>
+            <a:lvl8pPr marL="3429000" indent="-228600" algn="l" defTabSz="457200" rtl="0" fontAlgn="base">
+              <a:spcBef>
+                <a:spcPct val="20000"/>
+              </a:spcBef>
+              <a:spcAft>
+                <a:spcPct val="0"/>
+              </a:spcAft>
+              <a:buFont typeface="Arial" panose="020B0604020202020204" pitchFamily="34" charset="0"/>
+              <a:buChar char="»"/>
+              <a:defRPr sz="1200">
+                <a:solidFill>
+                  <a:schemeClr val="tx1"/>
+                </a:solidFill>
+                <a:latin typeface="+mn-lt"/>
+                <a:ea typeface="+mn-ea"/>
+              </a:defRPr>
+            </a:lvl8pPr>
+            <a:lvl9pPr marL="3886200" indent="-228600" algn="l" defTabSz="457200" rtl="0" fontAlgn="base">
+              <a:spcBef>
+                <a:spcPct val="20000"/>
+              </a:spcBef>
+              <a:spcAft>
+                <a:spcPct val="0"/>
+              </a:spcAft>
+              <a:buFont typeface="Arial" panose="020B0604020202020204" pitchFamily="34" charset="0"/>
+              <a:buChar char="»"/>
+              <a:defRPr sz="1200">
+                <a:solidFill>
+                  <a:schemeClr val="tx1"/>
+                </a:solidFill>
+                <a:latin typeface="+mn-lt"/>
+                <a:ea typeface="+mn-ea"/>
+              </a:defRPr>
+            </a:lvl9pPr>
+          </a:lstStyle>
+          <a:p>
+            <a:r>
+              <a:rPr lang="en-US" altLang="zh-CN"/>
+              <a:t>Network automation audit: More and more network configuration made by machine, such as self-healing, what-if simulation is needed.</a:t>
+            </a:r>
+            <a:endParaRPr lang="en-US" altLang="zh-CN"/>
+          </a:p>
+          <a:p>
+            <a:r>
               <a:rPr lang="en-US" altLang="zh-CN">
                 <a:sym typeface="+mn-ea"/>
               </a:rPr>
-              <a:t>Based on RouteNet TensorFlow implementation provied by BNN</a:t>
+              <a:t>Traffic optimization: Evaluating configuration for iteratively explore the performance of candidate solutions in order to find the optimal configuration.</a:t>
+            </a:r>
+            <a:endParaRPr lang="en-US" altLang="zh-CN"/>
+          </a:p>
+        </p:txBody>
+      </p:sp>
+    </p:spTree>
+  </p:cSld>
+  <p:clrMapOvr>
+    <a:masterClrMapping/>
+  </p:clrMapOvr>
+</p:sld>
+</file>
+
+<file path=ppt/slides/slide3.xml><?xml version="1.0" encoding="utf-8"?>
+<p:sld xmlns:a="http://schemas.openxmlformats.org/drawingml/2006/main" xmlns:r="http://schemas.openxmlformats.org/officeDocument/2006/relationships" xmlns:p="http://schemas.openxmlformats.org/presentationml/2006/main">
+  <p:cSld>
+    <p:spTree>
+      <p:nvGrpSpPr>
+        <p:cNvPr id="1" name=""/>
+        <p:cNvGrpSpPr/>
+        <p:nvPr/>
+      </p:nvGrpSpPr>
+      <p:grpSpPr/>
+      <p:sp>
+        <p:nvSpPr>
+          <p:cNvPr id="5" name="标题 4"/>
+          <p:cNvSpPr>
+            <a:spLocks noGrp="1"/>
+          </p:cNvSpPr>
+          <p:nvPr>
+            <p:ph type="title"/>
+          </p:nvPr>
+        </p:nvSpPr>
+        <p:spPr/>
+        <p:txBody>
+          <a:bodyPr/>
+          <a:p>
+            <a:r>
+              <a:rPr lang="en-US" altLang="zh-CN"/>
+              <a:t>Challenge: Creating a scalable Network Digital Twin</a:t>
             </a:r>
             <a:endParaRPr lang="en-US" altLang="zh-CN"/>
           </a:p>
@@ -6302,8 +6649,8 @@
         </p:nvSpPr>
         <p:spPr>
           <a:xfrm>
-            <a:off x="333375" y="1049655"/>
-            <a:ext cx="8517255" cy="3137535"/>
+            <a:off x="333375" y="1440815"/>
+            <a:ext cx="8517255" cy="4758055"/>
           </a:xfrm>
         </p:spPr>
         <p:txBody>
@@ -6311,6 +6658,187 @@
           <a:p>
             <a:r>
               <a:rPr lang="en-US" altLang="zh-CN"/>
+              <a:t>Training: Samples of network from </a:t>
+            </a:r>
+            <a:r>
+              <a:rPr lang="en-US" altLang="zh-CN" b="1"/>
+              <a:t>25 to 50 nodes</a:t>
+            </a:r>
+            <a:endParaRPr lang="en-US" altLang="zh-CN" b="1"/>
+          </a:p>
+          <a:p>
+            <a:r>
+              <a:rPr lang="en-US" altLang="zh-CN"/>
+              <a:t>Validation: Samples of network from </a:t>
+            </a:r>
+            <a:r>
+              <a:rPr lang="en-US" altLang="zh-CN" b="1"/>
+              <a:t>51 to 300 nodes</a:t>
+            </a:r>
+            <a:endParaRPr lang="en-US" altLang="zh-CN" b="1"/>
+          </a:p>
+          <a:p>
+            <a:r>
+              <a:rPr lang="en-US" altLang="zh-CN" b="1"/>
+              <a:t>Different output distribution values between training and test</a:t>
+            </a:r>
+            <a:endParaRPr lang="en-US" altLang="zh-CN" b="1"/>
+          </a:p>
+          <a:p>
+            <a:endParaRPr lang="en-US" altLang="zh-CN" b="1"/>
+          </a:p>
+        </p:txBody>
+      </p:sp>
+      <p:graphicFrame>
+        <p:nvGraphicFramePr>
+          <p:cNvPr id="7" name="对象 6"/>
+          <p:cNvGraphicFramePr/>
+          <p:nvPr/>
+        </p:nvGraphicFramePr>
+        <p:xfrm>
+          <a:off x="333375" y="4217035"/>
+          <a:ext cx="3706495" cy="1306830"/>
+        </p:xfrm>
+        <a:graphic>
+          <a:graphicData uri="http://schemas.openxmlformats.org/presentationml/2006/ole">
+            <mc:AlternateContent xmlns:mc="http://schemas.openxmlformats.org/markup-compatibility/2006">
+              <mc:Choice xmlns:v="urn:schemas-microsoft-com:vml" Requires="v">
+                <p:oleObj spid="_x0000_s8" name="" r:id="rId1" imgW="8420100" imgH="2647950" progId="Paint.Picture">
+                  <p:embed/>
+                </p:oleObj>
+              </mc:Choice>
+              <mc:Fallback>
+                <p:oleObj name="" r:id="rId1" imgW="8420100" imgH="2647950" progId="Paint.Picture">
+                  <p:embed/>
+                  <p:pic>
+                    <p:nvPicPr>
+                      <p:cNvPr id="0" name="图片 7"/>
+                      <p:cNvPicPr/>
+                      <p:nvPr/>
+                    </p:nvPicPr>
+                    <p:blipFill>
+                      <a:blip r:embed="rId2"/>
+                      <a:stretch>
+                        <a:fillRect/>
+                      </a:stretch>
+                    </p:blipFill>
+                    <p:spPr>
+                      <a:xfrm>
+                        <a:off x="333375" y="4217035"/>
+                        <a:ext cx="3706495" cy="1306830"/>
+                      </a:xfrm>
+                      <a:prstGeom prst="rect">
+                        <a:avLst/>
+                      </a:prstGeom>
+                    </p:spPr>
+                  </p:pic>
+                </p:oleObj>
+              </mc:Fallback>
+            </mc:AlternateContent>
+          </a:graphicData>
+        </a:graphic>
+      </p:graphicFrame>
+      <p:pic>
+        <p:nvPicPr>
+          <p:cNvPr id="9" name="图片 8"/>
+          <p:cNvPicPr>
+            <a:picLocks noChangeAspect="1"/>
+          </p:cNvPicPr>
+          <p:nvPr/>
+        </p:nvPicPr>
+        <p:blipFill>
+          <a:blip r:embed="rId3"/>
+          <a:stretch>
+            <a:fillRect/>
+          </a:stretch>
+        </p:blipFill>
+        <p:spPr>
+          <a:xfrm>
+            <a:off x="4154170" y="3115945"/>
+            <a:ext cx="4493260" cy="3256280"/>
+          </a:xfrm>
+          <a:prstGeom prst="rect">
+            <a:avLst/>
+          </a:prstGeom>
+        </p:spPr>
+      </p:pic>
+    </p:spTree>
+  </p:cSld>
+  <p:clrMapOvr>
+    <a:masterClrMapping/>
+  </p:clrMapOvr>
+</p:sld>
+</file>
+
+<file path=ppt/slides/slide4.xml><?xml version="1.0" encoding="utf-8"?>
+<p:sld xmlns:a="http://schemas.openxmlformats.org/drawingml/2006/main" xmlns:r="http://schemas.openxmlformats.org/officeDocument/2006/relationships" xmlns:p="http://schemas.openxmlformats.org/presentationml/2006/main">
+  <p:cSld>
+    <p:spTree>
+      <p:nvGrpSpPr>
+        <p:cNvPr id="1" name=""/>
+        <p:cNvGrpSpPr/>
+        <p:nvPr/>
+      </p:nvGrpSpPr>
+      <p:grpSpPr/>
+      <p:sp>
+        <p:nvSpPr>
+          <p:cNvPr id="5" name="标题 4"/>
+          <p:cNvSpPr>
+            <a:spLocks noGrp="1"/>
+          </p:cNvSpPr>
+          <p:nvPr>
+            <p:ph type="title"/>
+          </p:nvPr>
+        </p:nvSpPr>
+        <p:spPr>
+          <a:xfrm>
+            <a:off x="333375" y="382270"/>
+            <a:ext cx="8517255" cy="584835"/>
+          </a:xfrm>
+        </p:spPr>
+        <p:txBody>
+          <a:bodyPr/>
+          <a:p>
+            <a:r>
+              <a:rPr lang="en-US" altLang="zh-CN">
+                <a:sym typeface="+mn-ea"/>
+              </a:rPr>
+              <a:t>Solution overview</a:t>
+            </a:r>
+            <a:endParaRPr lang="en-US" altLang="zh-CN"/>
+          </a:p>
+        </p:txBody>
+      </p:sp>
+      <p:sp>
+        <p:nvSpPr>
+          <p:cNvPr id="6" name="内容占位符 5"/>
+          <p:cNvSpPr>
+            <a:spLocks noGrp="1"/>
+          </p:cNvSpPr>
+          <p:nvPr>
+            <p:ph sz="quarter" idx="10"/>
+          </p:nvPr>
+        </p:nvSpPr>
+        <p:spPr>
+          <a:xfrm>
+            <a:off x="333375" y="1344295"/>
+            <a:ext cx="8517255" cy="2842895"/>
+          </a:xfrm>
+        </p:spPr>
+        <p:txBody>
+          <a:bodyPr/>
+          <a:p>
+            <a:r>
+              <a:rPr lang="en-US" altLang="zh-CN">
+                <a:sym typeface="+mn-ea"/>
+              </a:rPr>
+              <a:t>Based on RouteNet TensorFlow implementation provied by BNN</a:t>
+            </a:r>
+            <a:endParaRPr lang="en-US" altLang="zh-CN"/>
+          </a:p>
+          <a:p>
+            <a:r>
+              <a:rPr lang="en-US" altLang="zh-CN"/>
               <a:t>Predict queue utilizations and infer path delays with a simple post-processing as the guidelines suggest.</a:t>
             </a:r>
             <a:endParaRPr lang="en-US" altLang="zh-CN"/>
@@ -6318,7 +6846,7 @@
           <a:p>
             <a:r>
               <a:rPr lang="en-US" altLang="zh-CN"/>
-              <a:t>Replace the embeding layers for paths and links state with filling the states vector directly with paths and links features and zeros .</a:t>
+              <a:t>Initializing the states vector directly with paths and links features and zeros .</a:t>
             </a:r>
             <a:endParaRPr lang="en-US" altLang="zh-CN"/>
           </a:p>
@@ -6333,7 +6861,7 @@
       </p:sp>
       <p:pic>
         <p:nvPicPr>
-          <p:cNvPr id="7" name="图片 6"/>
+          <p:cNvPr id="2" name="图片 1"/>
           <p:cNvPicPr>
             <a:picLocks noChangeAspect="1"/>
           </p:cNvPicPr>
@@ -6347,98 +6875,14 @@
         </p:blipFill>
         <p:spPr>
           <a:xfrm>
-            <a:off x="1104900" y="5511165"/>
-            <a:ext cx="6933565" cy="819785"/>
+            <a:off x="831850" y="4283075"/>
+            <a:ext cx="7322185" cy="1358265"/>
           </a:xfrm>
           <a:prstGeom prst="rect">
             <a:avLst/>
           </a:prstGeom>
         </p:spPr>
       </p:pic>
-      <p:pic>
-        <p:nvPicPr>
-          <p:cNvPr id="8" name="图片 7"/>
-          <p:cNvPicPr>
-            <a:picLocks noChangeAspect="1"/>
-          </p:cNvPicPr>
-          <p:nvPr/>
-        </p:nvPicPr>
-        <p:blipFill>
-          <a:blip r:embed="rId2"/>
-          <a:stretch>
-            <a:fillRect/>
-          </a:stretch>
-        </p:blipFill>
-        <p:spPr>
-          <a:xfrm>
-            <a:off x="802640" y="3481705"/>
-            <a:ext cx="7537450" cy="1617345"/>
-          </a:xfrm>
-          <a:prstGeom prst="rect">
-            <a:avLst/>
-          </a:prstGeom>
-        </p:spPr>
-      </p:pic>
-      <p:sp>
-        <p:nvSpPr>
-          <p:cNvPr id="9" name="下箭头 8"/>
-          <p:cNvSpPr/>
-          <p:nvPr/>
-        </p:nvSpPr>
-        <p:spPr>
-          <a:xfrm>
-            <a:off x="6474460" y="4914900"/>
-            <a:ext cx="489585" cy="596265"/>
-          </a:xfrm>
-          <a:prstGeom prst="downArrow">
-            <a:avLst/>
-          </a:prstGeom>
-          <a:solidFill>
-            <a:schemeClr val="accent1"/>
-          </a:solidFill>
-          <a:ln w="9525" cap="flat" cmpd="sng" algn="ctr">
-            <a:solidFill>
-              <a:schemeClr val="tx1"/>
-            </a:solidFill>
-            <a:prstDash val="solid"/>
-            <a:round/>
-            <a:headEnd type="none" w="med" len="med"/>
-            <a:tailEnd type="none" w="med" len="med"/>
-          </a:ln>
-        </p:spPr>
-        <p:txBody>
-          <a:bodyPr vert="horz" wrap="square" lIns="91440" tIns="45720" rIns="91440" bIns="45720" numCol="1" anchor="t" anchorCtr="0" compatLnSpc="1"/>
-          <a:p>
-            <a:pPr marL="0" marR="0" indent="0" algn="l" defTabSz="457200" rtl="0" eaLnBrk="1" fontAlgn="base" latinLnBrk="0" hangingPunct="1">
-              <a:lnSpc>
-                <a:spcPct val="100000"/>
-              </a:lnSpc>
-              <a:spcBef>
-                <a:spcPct val="0"/>
-              </a:spcBef>
-              <a:spcAft>
-                <a:spcPct val="0"/>
-              </a:spcAft>
-              <a:buClrTx/>
-              <a:buSzTx/>
-              <a:buFont typeface="Arial" panose="020B0604020202020204" pitchFamily="34" charset="0"/>
-              <a:buNone/>
-            </a:pPr>
-            <a:endParaRPr kumimoji="0" lang="zh-CN" altLang="en-US" sz="1800" b="0" i="0" u="none" strike="noStrike" cap="none" normalizeH="0" baseline="0" smtClean="0">
-              <a:ln>
-                <a:noFill/>
-              </a:ln>
-              <a:solidFill>
-                <a:schemeClr val="tx1"/>
-              </a:solidFill>
-              <a:effectLst/>
-              <a:latin typeface="Calibri" panose="020F0502020204030204" pitchFamily="34" charset="0"/>
-              <a:ea typeface="宋体" panose="02010600030101010101" pitchFamily="2" charset="-122"/>
-              <a:cs typeface="Arial" panose="020B0604020202020204" pitchFamily="34" charset="0"/>
-            </a:endParaRPr>
-          </a:p>
-        </p:txBody>
-      </p:sp>
     </p:spTree>
   </p:cSld>
   <p:clrMapOvr>
@@ -6447,7 +6891,117 @@
 </p:sld>
 </file>
 
-<file path=ppt/slides/slide3.xml><?xml version="1.0" encoding="utf-8"?>
+<file path=ppt/slides/slide5.xml><?xml version="1.0" encoding="utf-8"?>
+<p:sld xmlns:a="http://schemas.openxmlformats.org/drawingml/2006/main" xmlns:r="http://schemas.openxmlformats.org/officeDocument/2006/relationships" xmlns:p="http://schemas.openxmlformats.org/presentationml/2006/main">
+  <p:cSld>
+    <p:spTree>
+      <p:nvGrpSpPr>
+        <p:cNvPr id="1" name=""/>
+        <p:cNvGrpSpPr/>
+        <p:nvPr/>
+      </p:nvGrpSpPr>
+      <p:grpSpPr/>
+      <p:sp>
+        <p:nvSpPr>
+          <p:cNvPr id="5" name="标题 4"/>
+          <p:cNvSpPr>
+            <a:spLocks noGrp="1"/>
+          </p:cNvSpPr>
+          <p:nvPr>
+            <p:ph type="title"/>
+          </p:nvPr>
+        </p:nvSpPr>
+        <p:spPr/>
+        <p:txBody>
+          <a:bodyPr/>
+          <a:p>
+            <a:r>
+              <a:rPr lang="en-US" altLang="zh-CN">
+                <a:sym typeface="+mn-ea"/>
+              </a:rPr>
+              <a:t>Model Architecture: </a:t>
+            </a:r>
+            <a:endParaRPr lang="zh-CN" altLang="en-US"/>
+          </a:p>
+        </p:txBody>
+      </p:sp>
+      <p:sp>
+        <p:nvSpPr>
+          <p:cNvPr id="12" name="内容占位符 11"/>
+          <p:cNvSpPr/>
+          <p:nvPr>
+            <p:ph sz="quarter" idx="10"/>
+          </p:nvPr>
+        </p:nvSpPr>
+        <p:spPr>
+          <a:xfrm>
+            <a:off x="333375" y="1095375"/>
+            <a:ext cx="8517255" cy="5103495"/>
+          </a:xfrm>
+        </p:spPr>
+        <p:txBody>
+          <a:bodyPr/>
+          <a:p>
+            <a:r>
+              <a:rPr lang="en-US" altLang="zh-CN"/>
+              <a:t>Training MAPE = 2.56</a:t>
+            </a:r>
+            <a:endParaRPr lang="en-US" altLang="zh-CN"/>
+          </a:p>
+          <a:p>
+            <a:r>
+              <a:rPr lang="en-US" altLang="zh-CN"/>
+              <a:t>Validation </a:t>
+            </a:r>
+            <a:r>
+              <a:rPr lang="en-US" altLang="zh-CN">
+                <a:solidFill>
+                  <a:srgbClr val="FF0000"/>
+                </a:solidFill>
+              </a:rPr>
+              <a:t>MAPE = 1.85</a:t>
+            </a:r>
+            <a:endParaRPr lang="en-US" altLang="zh-CN">
+              <a:solidFill>
+                <a:srgbClr val="FF0000"/>
+              </a:solidFill>
+            </a:endParaRPr>
+          </a:p>
+        </p:txBody>
+      </p:sp>
+      <p:pic>
+        <p:nvPicPr>
+          <p:cNvPr id="14" name="图片 13" descr="参赛模型架构"/>
+          <p:cNvPicPr>
+            <a:picLocks noChangeAspect="1"/>
+          </p:cNvPicPr>
+          <p:nvPr/>
+        </p:nvPicPr>
+        <p:blipFill>
+          <a:blip r:embed="rId1"/>
+          <a:stretch>
+            <a:fillRect/>
+          </a:stretch>
+        </p:blipFill>
+        <p:spPr>
+          <a:xfrm>
+            <a:off x="116840" y="2109470"/>
+            <a:ext cx="12873355" cy="4552950"/>
+          </a:xfrm>
+          <a:prstGeom prst="rect">
+            <a:avLst/>
+          </a:prstGeom>
+        </p:spPr>
+      </p:pic>
+    </p:spTree>
+  </p:cSld>
+  <p:clrMapOvr>
+    <a:masterClrMapping/>
+  </p:clrMapOvr>
+</p:sld>
+</file>
+
+<file path=ppt/slides/slide6.xml><?xml version="1.0" encoding="utf-8"?>
 <p:sld xmlns:a="http://schemas.openxmlformats.org/drawingml/2006/main" xmlns:r="http://schemas.openxmlformats.org/officeDocument/2006/relationships" xmlns:p="http://schemas.openxmlformats.org/presentationml/2006/main">
   <p:cSld>
     <p:spTree>
@@ -6801,7 +7355,7 @@
           <a:p>
             <a:r>
               <a:rPr lang="en-US" altLang="zh-CN"/>
-              <a:t>Prediting</a:t>
+              <a:t>Volidation</a:t>
             </a:r>
             <a:endParaRPr lang="en-US" altLang="zh-CN"/>
           </a:p>
@@ -6927,7 +7481,7 @@
 </p:sld>
 </file>
 
-<file path=ppt/slides/slide4.xml><?xml version="1.0" encoding="utf-8"?>
+<file path=ppt/slides/slide7.xml><?xml version="1.0" encoding="utf-8"?>
 <p:sld xmlns:a="http://schemas.openxmlformats.org/drawingml/2006/main" xmlns:r="http://schemas.openxmlformats.org/officeDocument/2006/relationships" xmlns:p="http://schemas.openxmlformats.org/presentationml/2006/main">
   <p:cSld>
     <p:spTree>
@@ -7344,7 +7898,7 @@
 </p:sld>
 </file>
 
-<file path=ppt/slides/slide5.xml><?xml version="1.0" encoding="utf-8"?>
+<file path=ppt/slides/slide8.xml><?xml version="1.0" encoding="utf-8"?>
 <p:sld xmlns:a="http://schemas.openxmlformats.org/drawingml/2006/main" xmlns:r="http://schemas.openxmlformats.org/officeDocument/2006/relationships" xmlns:p="http://schemas.openxmlformats.org/presentationml/2006/main">
   <p:cSld>
     <p:bg bwMode="auto">
